--- a/Lec 6 - Intro to Neural Networks/Lec 6.1 - Intro to Neural Networks.pptx
+++ b/Lec 6 - Intro to Neural Networks/Lec 6.1 - Intro to Neural Networks.pptx
@@ -78,7 +78,7 @@
       <p:boldItalic r:id="rId61"/>
     </p:embeddedFont>
     <p:embeddedFont>
-      <p:font typeface="Roboto" panose="020B0604020202020204" pitchFamily="2" charset="0"/>
+      <p:font typeface="Roboto" panose="02000000000000000000" pitchFamily="2" charset="0"/>
       <p:regular r:id="rId62"/>
       <p:bold r:id="rId63"/>
       <p:italic r:id="rId64"/>
@@ -5067,7 +5067,7 @@
         </p:nvSpPr>
         <p:spPr>
           <a:xfrm>
-            <a:off x="381300" y="685800"/>
+            <a:off x="381000" y="685800"/>
             <a:ext cx="6096000" cy="3429000"/>
           </a:xfrm>
           <a:custGeom>
@@ -41473,14 +41473,14 @@
               <a:buNone/>
             </a:pPr>
             <a:r>
-              <a:rPr lang="en-GB" b="1">
+              <a:rPr lang="en-GB" b="1" dirty="0">
                 <a:solidFill>
                   <a:srgbClr val="FF0000"/>
                 </a:solidFill>
               </a:rPr>
-              <a:t>We finally end up having the optimal weights that would gives us the best predictions.</a:t>
-            </a:r>
-            <a:endParaRPr b="1">
+              <a:t>We finally end up having the optimal weights that would give us the best predictions.</a:t>
+            </a:r>
+            <a:endParaRPr b="1" dirty="0">
               <a:solidFill>
                 <a:srgbClr val="FF0000"/>
               </a:solidFill>
